--- a/app_frontend_concept.pptx
+++ b/app_frontend_concept.pptx
@@ -8626,15 +8626,7 @@
                   <a:schemeClr val="tx1"/>
                 </a:solidFill>
               </a:rPr>
-              <a:t>Person </a:t>
-            </a:r>
-            <a:r>
-              <a:rPr lang="en-US" dirty="0" smtClean="0">
-                <a:solidFill>
-                  <a:schemeClr val="tx1"/>
-                </a:solidFill>
-              </a:rPr>
-              <a:t>search</a:t>
+              <a:t>Person search</a:t>
             </a:r>
             <a:endParaRPr lang="he-IL" dirty="0">
               <a:solidFill>
@@ -11437,14 +11429,14 @@
           <p:nvPr>
             <p:extLst>
               <p:ext uri="{D42A27DB-BD31-4B8C-83A1-F6EECF244321}">
-                <p14:modId xmlns:p14="http://schemas.microsoft.com/office/powerpoint/2010/main" val="3582433474"/>
+                <p14:modId xmlns:p14="http://schemas.microsoft.com/office/powerpoint/2010/main" val="1745891722"/>
               </p:ext>
             </p:extLst>
           </p:nvPr>
         </p:nvGraphicFramePr>
         <p:xfrm>
-          <a:off x="3395024" y="2845218"/>
-          <a:ext cx="8128000" cy="2724309"/>
+          <a:off x="3395024" y="2801145"/>
+          <a:ext cx="8128000" cy="2759675"/>
         </p:xfrm>
         <a:graphic>
           <a:graphicData uri="http://schemas.openxmlformats.org/drawingml/2006/table">
@@ -11453,10 +11445,11 @@
                 <a:tableStyleId>{5C22544A-7EE6-4342-B048-85BDC9FD1C3A}</a:tableStyleId>
               </a:tblPr>
               <a:tblGrid>
-                <a:gridCol w="5436920"/>
-                <a:gridCol w="2691080"/>
+                <a:gridCol w="5341918"/>
+                <a:gridCol w="825335"/>
+                <a:gridCol w="1960747"/>
               </a:tblGrid>
-              <a:tr h="546800">
+              <a:tr h="543493">
                 <a:tc>
                   <a:txBody>
                     <a:bodyPr/>
@@ -11466,6 +11459,21 @@
                       <a:r>
                         <a:rPr lang="en-US" dirty="0" smtClean="0"/>
                         <a:t>Description relevant snippets</a:t>
+                      </a:r>
+                      <a:endParaRPr lang="he-IL" dirty="0"/>
+                    </a:p>
+                  </a:txBody>
+                  <a:tcPr/>
+                </a:tc>
+                <a:tc>
+                  <a:txBody>
+                    <a:bodyPr/>
+                    <a:lstStyle/>
+                    <a:p>
+                      <a:pPr algn="l" rtl="1"/>
+                      <a:r>
+                        <a:rPr lang="en-US" dirty="0" smtClean="0"/>
+                        <a:t>Rating</a:t>
                       </a:r>
                       <a:endParaRPr lang="he-IL" dirty="0"/>
                     </a:p>
@@ -11492,7 +11500,54 @@
                   <a:tcPr/>
                 </a:tc>
               </a:tr>
-              <a:tr h="722782">
+              <a:tr h="543493">
+                <a:tc>
+                  <a:txBody>
+                    <a:bodyPr/>
+                    <a:lstStyle/>
+                    <a:p>
+                      <a:pPr algn="ctr" rtl="1"/>
+                      <a:r>
+                        <a:rPr lang="en-US" dirty="0" smtClean="0"/>
+                        <a:t> ...falls in love with another ... a reckless fire-fighting pilot who...</a:t>
+                      </a:r>
+                      <a:endParaRPr lang="he-IL" dirty="0"/>
+                    </a:p>
+                  </a:txBody>
+                  <a:tcPr/>
+                </a:tc>
+                <a:tc>
+                  <a:txBody>
+                    <a:bodyPr/>
+                    <a:lstStyle/>
+                    <a:p>
+                      <a:pPr algn="l" rtl="1"/>
+                      <a:r>
+                        <a:rPr lang="en-US" dirty="0" smtClean="0"/>
+                        <a:t>7.3</a:t>
+                      </a:r>
+                      <a:endParaRPr lang="he-IL" dirty="0"/>
+                    </a:p>
+                  </a:txBody>
+                  <a:tcPr/>
+                </a:tc>
+                <a:tc>
+                  <a:txBody>
+                    <a:bodyPr/>
+                    <a:lstStyle/>
+                    <a:p>
+                      <a:pPr algn="l" rtl="1"/>
+                      <a:r>
+                        <a:rPr lang="en-US" dirty="0" err="1" smtClean="0"/>
+                        <a:t>Dasein</a:t>
+                      </a:r>
+                      <a:endParaRPr lang="he-IL" dirty="0"/>
+                    </a:p>
+                  </a:txBody>
+                  <a:tcPr/>
+                </a:tc>
+              </a:tr>
+              <a:tr h="543493">
                 <a:tc>
                   <a:txBody>
                     <a:bodyPr/>
@@ -11515,6 +11570,21 @@
                     <a:p>
                       <a:pPr algn="l" rtl="1"/>
                       <a:r>
+                        <a:rPr lang="he-IL" dirty="0" smtClean="0"/>
+                        <a:t>6.4</a:t>
+                      </a:r>
+                      <a:endParaRPr lang="he-IL" dirty="0"/>
+                    </a:p>
+                  </a:txBody>
+                  <a:tcPr/>
+                </a:tc>
+                <a:tc>
+                  <a:txBody>
+                    <a:bodyPr/>
+                    <a:lstStyle/>
+                    <a:p>
+                      <a:pPr algn="l" rtl="1"/>
+                      <a:r>
                         <a:rPr lang="en-US" dirty="0" smtClean="0"/>
                         <a:t>Creature of the Mist</a:t>
                       </a:r>
@@ -11524,7 +11594,7 @@
                   <a:tcPr/>
                 </a:tc>
               </a:tr>
-              <a:tr h="712519">
+              <a:tr h="936022">
                 <a:tc>
                   <a:txBody>
                     <a:bodyPr/>
@@ -11556,24 +11626,7 @@
                       <a:pPr algn="l" rtl="1"/>
                       <a:r>
                         <a:rPr lang="en-US" dirty="0" smtClean="0"/>
-                        <a:t>The League of Gentlemen's Apocalypse</a:t>
-                      </a:r>
-                      <a:endParaRPr lang="he-IL" dirty="0"/>
-                    </a:p>
-                  </a:txBody>
-                  <a:tcPr/>
-                </a:tc>
-              </a:tr>
-              <a:tr h="742208">
-                <a:tc>
-                  <a:txBody>
-                    <a:bodyPr/>
-                    <a:lstStyle/>
-                    <a:p>
-                      <a:pPr algn="ctr" rtl="1"/>
-                      <a:r>
-                        <a:rPr lang="en-US" dirty="0" smtClean="0"/>
-                        <a:t> ...falls in love with another ... a reckless fire-fighting pilot who...</a:t>
+                        <a:t>5.4</a:t>
                       </a:r>
                       <a:endParaRPr lang="he-IL" dirty="0"/>
                     </a:p>
@@ -11587,8 +11640,8 @@
                     <a:p>
                       <a:pPr algn="l" rtl="1"/>
                       <a:r>
-                        <a:rPr lang="en-US" dirty="0" err="1" smtClean="0"/>
-                        <a:t>Dasein</a:t>
+                        <a:rPr lang="en-US" dirty="0" smtClean="0"/>
+                        <a:t>The League of Gentlemen's Apocalypse</a:t>
                       </a:r>
                       <a:endParaRPr lang="he-IL" dirty="0"/>
                     </a:p>
@@ -13371,21 +13424,21 @@
       </p:sp>
       <p:graphicFrame>
         <p:nvGraphicFramePr>
-          <p:cNvPr id="19" name="טבלה 18"/>
+          <p:cNvPr id="20" name="טבלה 19"/>
           <p:cNvGraphicFramePr>
             <a:graphicFrameLocks noGrp="1"/>
           </p:cNvGraphicFramePr>
           <p:nvPr>
             <p:extLst>
               <p:ext uri="{D42A27DB-BD31-4B8C-83A1-F6EECF244321}">
-                <p14:modId xmlns:p14="http://schemas.microsoft.com/office/powerpoint/2010/main" val="4169144369"/>
+                <p14:modId xmlns:p14="http://schemas.microsoft.com/office/powerpoint/2010/main" val="3877242033"/>
               </p:ext>
             </p:extLst>
           </p:nvPr>
         </p:nvGraphicFramePr>
         <p:xfrm>
-          <a:off x="3632436" y="2685058"/>
-          <a:ext cx="3682764" cy="2595880"/>
+          <a:off x="3407049" y="2561001"/>
+          <a:ext cx="8128000" cy="2225040"/>
         </p:xfrm>
         <a:graphic>
           <a:graphicData uri="http://schemas.openxmlformats.org/drawingml/2006/table">
@@ -13394,7 +13447,8 @@
                 <a:tableStyleId>{5C22544A-7EE6-4342-B048-85BDC9FD1C3A}</a:tableStyleId>
               </a:tblPr>
               <a:tblGrid>
-                <a:gridCol w="3682764"/>
+                <a:gridCol w="3192633"/>
+                <a:gridCol w="4935367"/>
               </a:tblGrid>
               <a:tr h="370840">
                 <a:tc>
@@ -13405,7 +13459,30 @@
                       <a:pPr algn="ctr" rtl="1"/>
                       <a:r>
                         <a:rPr lang="en-US" dirty="0" smtClean="0"/>
-                        <a:t>Full name</a:t>
+                        <a:t>Birth</a:t>
+                      </a:r>
+                      <a:r>
+                        <a:rPr lang="en-US" baseline="0" dirty="0" smtClean="0"/>
+                        <a:t> date</a:t>
+                      </a:r>
+                      <a:endParaRPr lang="he-IL" dirty="0"/>
+                    </a:p>
+                  </a:txBody>
+                  <a:tcPr/>
+                </a:tc>
+                <a:tc>
+                  <a:txBody>
+                    <a:bodyPr/>
+                    <a:lstStyle/>
+                    <a:p>
+                      <a:pPr algn="l" rtl="1"/>
+                      <a:r>
+                        <a:rPr lang="en-US" dirty="0" smtClean="0"/>
+                        <a:t>Full </a:t>
+                      </a:r>
+                      <a:r>
+                        <a:rPr lang="en-US" dirty="0" smtClean="0"/>
+                        <a:t>name</a:t>
                       </a:r>
                       <a:endParaRPr lang="he-IL" dirty="0"/>
                     </a:p>
@@ -13419,10 +13496,25 @@
                     <a:bodyPr/>
                     <a:lstStyle/>
                     <a:p>
+                      <a:pPr algn="ctr" rtl="1"/>
+                      <a:r>
+                        <a:rPr lang="en-US" dirty="0" smtClean="0"/>
+                        <a:t>1981-04-20</a:t>
+                      </a:r>
+                      <a:endParaRPr lang="he-IL" dirty="0"/>
+                    </a:p>
+                  </a:txBody>
+                  <a:tcPr/>
+                </a:tc>
+                <a:tc>
+                  <a:txBody>
+                    <a:bodyPr/>
+                    <a:lstStyle/>
+                    <a:p>
                       <a:pPr algn="l" rtl="1"/>
                       <a:r>
                         <a:rPr lang="en-US" dirty="0" smtClean="0"/>
-                        <a:t>Amy Jo Johnson</a:t>
+                        <a:t>Aaron Johnson</a:t>
                       </a:r>
                       <a:endParaRPr lang="he-IL" dirty="0"/>
                     </a:p>
@@ -13431,6 +13523,21 @@
                 </a:tc>
               </a:tr>
               <a:tr h="370840">
+                <a:tc>
+                  <a:txBody>
+                    <a:bodyPr/>
+                    <a:lstStyle/>
+                    <a:p>
+                      <a:pPr algn="ctr" rtl="1"/>
+                      <a:r>
+                        <a:rPr lang="en-US" dirty="0" smtClean="0"/>
+                        <a:t>1967-12-28</a:t>
+                      </a:r>
+                      <a:endParaRPr lang="he-IL" dirty="0"/>
+                    </a:p>
+                  </a:txBody>
+                  <a:tcPr/>
+                </a:tc>
                 <a:tc>
                   <a:txBody>
                     <a:bodyPr/>
@@ -13453,10 +13560,21 @@
                     <a:bodyPr/>
                     <a:lstStyle/>
                     <a:p>
+                      <a:pPr algn="ctr" rtl="1"/>
+                      <a:endParaRPr lang="he-IL" dirty="0"/>
+                    </a:p>
+                  </a:txBody>
+                  <a:tcPr/>
+                </a:tc>
+                <a:tc>
+                  <a:txBody>
+                    <a:bodyPr/>
+                    <a:lstStyle/>
+                    <a:p>
                       <a:pPr algn="l" rtl="1"/>
                       <a:r>
                         <a:rPr lang="en-US" dirty="0" smtClean="0"/>
-                        <a:t>Ashley Johnson</a:t>
+                        <a:t>…</a:t>
                       </a:r>
                       <a:endParaRPr lang="he-IL" dirty="0"/>
                     </a:p>
@@ -13465,6 +13583,21 @@
                 </a:tc>
               </a:tr>
               <a:tr h="370840">
+                <a:tc>
+                  <a:txBody>
+                    <a:bodyPr/>
+                    <a:lstStyle/>
+                    <a:p>
+                      <a:pPr algn="ctr" rtl="1"/>
+                      <a:r>
+                        <a:rPr lang="en-US" dirty="0" smtClean="0"/>
+                        <a:t>1975-08-01</a:t>
+                      </a:r>
+                      <a:endParaRPr lang="he-IL" dirty="0"/>
+                    </a:p>
+                  </a:txBody>
+                  <a:tcPr/>
+                </a:tc>
                 <a:tc>
                   <a:txBody>
                     <a:bodyPr/>
@@ -13491,75 +13624,12 @@
                     <a:bodyPr/>
                     <a:lstStyle/>
                     <a:p>
-                      <a:pPr algn="l" rtl="1"/>
-                      <a:r>
-                        <a:rPr lang="en-US" dirty="0" smtClean="0"/>
-                        <a:t>…</a:t>
-                      </a:r>
-                      <a:endParaRPr lang="he-IL" dirty="0"/>
-                    </a:p>
-                  </a:txBody>
-                  <a:tcPr/>
-                </a:tc>
-              </a:tr>
-              <a:tr h="370840">
-                <a:tc>
-                  <a:txBody>
-                    <a:bodyPr/>
-                    <a:lstStyle/>
-                    <a:p>
-                      <a:pPr algn="l" rtl="1"/>
-                      <a:endParaRPr lang="he-IL" dirty="0"/>
-                    </a:p>
-                  </a:txBody>
-                  <a:tcPr/>
-                </a:tc>
-              </a:tr>
-            </a:tbl>
-          </a:graphicData>
-        </a:graphic>
-      </p:graphicFrame>
-      <p:graphicFrame>
-        <p:nvGraphicFramePr>
-          <p:cNvPr id="23" name="טבלה 22"/>
-          <p:cNvGraphicFramePr>
-            <a:graphicFrameLocks noGrp="1"/>
-          </p:cNvGraphicFramePr>
-          <p:nvPr>
-            <p:extLst>
-              <p:ext uri="{D42A27DB-BD31-4B8C-83A1-F6EECF244321}">
-                <p14:modId xmlns:p14="http://schemas.microsoft.com/office/powerpoint/2010/main" val="641839438"/>
-              </p:ext>
-            </p:extLst>
-          </p:nvPr>
-        </p:nvGraphicFramePr>
-        <p:xfrm>
-          <a:off x="7489517" y="2685058"/>
-          <a:ext cx="3682764" cy="2595880"/>
-        </p:xfrm>
-        <a:graphic>
-          <a:graphicData uri="http://schemas.openxmlformats.org/drawingml/2006/table">
-            <a:tbl>
-              <a:tblPr rtl="1" firstRow="1" bandRow="1">
-                <a:tableStyleId>{5C22544A-7EE6-4342-B048-85BDC9FD1C3A}</a:tableStyleId>
-              </a:tblPr>
-              <a:tblGrid>
-                <a:gridCol w="3682764"/>
-              </a:tblGrid>
-              <a:tr h="370840">
-                <a:tc>
-                  <a:txBody>
-                    <a:bodyPr/>
-                    <a:lstStyle/>
-                    <a:p>
                       <a:pPr algn="ctr" rtl="1"/>
                       <a:endParaRPr lang="he-IL" dirty="0"/>
                     </a:p>
                   </a:txBody>
                   <a:tcPr/>
                 </a:tc>
-              </a:tr>
-              <a:tr h="370840">
                 <a:tc>
                   <a:txBody>
                     <a:bodyPr/>
@@ -13568,81 +13638,8 @@
                       <a:pPr algn="l" rtl="1"/>
                       <a:r>
                         <a:rPr lang="en-US" dirty="0" smtClean="0"/>
-                        <a:t>Mercy Johnson </a:t>
+                        <a:t>…</a:t>
                       </a:r>
-                      <a:r>
-                        <a:rPr lang="en-US" dirty="0" err="1" smtClean="0"/>
-                        <a:t>Okojie</a:t>
-                      </a:r>
-                      <a:endParaRPr lang="he-IL" dirty="0"/>
-                    </a:p>
-                  </a:txBody>
-                  <a:tcPr/>
-                </a:tc>
-              </a:tr>
-              <a:tr h="370840">
-                <a:tc>
-                  <a:txBody>
-                    <a:bodyPr/>
-                    <a:lstStyle/>
-                    <a:p>
-                      <a:pPr algn="l" rtl="1"/>
-                      <a:r>
-                        <a:rPr lang="he-IL" dirty="0" smtClean="0"/>
-                        <a:t>...</a:t>
-                      </a:r>
-                      <a:endParaRPr lang="he-IL" dirty="0"/>
-                    </a:p>
-                  </a:txBody>
-                  <a:tcPr/>
-                </a:tc>
-              </a:tr>
-              <a:tr h="370840">
-                <a:tc>
-                  <a:txBody>
-                    <a:bodyPr/>
-                    <a:lstStyle/>
-                    <a:p>
-                      <a:pPr algn="l" rtl="1"/>
-                      <a:endParaRPr lang="he-IL" dirty="0"/>
-                    </a:p>
-                  </a:txBody>
-                  <a:tcPr/>
-                </a:tc>
-              </a:tr>
-              <a:tr h="370840">
-                <a:tc>
-                  <a:txBody>
-                    <a:bodyPr/>
-                    <a:lstStyle/>
-                    <a:p>
-                      <a:pPr algn="l" rtl="1"/>
-                      <a:endParaRPr lang="he-IL" dirty="0"/>
-                    </a:p>
-                  </a:txBody>
-                  <a:tcPr/>
-                </a:tc>
-              </a:tr>
-              <a:tr h="370840">
-                <a:tc>
-                  <a:txBody>
-                    <a:bodyPr/>
-                    <a:lstStyle/>
-                    <a:p>
-                      <a:pPr algn="l" rtl="1"/>
-                      <a:endParaRPr lang="he-IL" dirty="0"/>
-                    </a:p>
-                  </a:txBody>
-                  <a:tcPr/>
-                </a:tc>
-              </a:tr>
-              <a:tr h="370840">
-                <a:tc>
-                  <a:txBody>
-                    <a:bodyPr/>
-                    <a:lstStyle/>
-                    <a:p>
-                      <a:pPr algn="l" rtl="1"/>
                       <a:endParaRPr lang="he-IL" dirty="0"/>
                     </a:p>
                   </a:txBody>
